--- a/graduate/finial/ppt/P020231228505422468772.pptx
+++ b/graduate/finial/ppt/P020231228505422468772.pptx
@@ -22,7 +22,7 @@
     <p:sldId id="259" r:id="rId16"/>
   </p:sldIdLst>
   <p:sldSz cx="9906000" cy="6858000" type="A4"/>
-  <p:notesSz cx="7099300" cy="10234613"/>
+  <p:notesSz cx="7104063" cy="10234613"/>
   <p:defaultTextStyle>
     <a:defPPr>
       <a:defRPr lang="en-US"/>
@@ -30774,8 +30774,8 @@
         </p:nvSpPr>
         <p:spPr>
           <a:xfrm>
-            <a:off x="386398" y="4538028"/>
-            <a:ext cx="4410075" cy="400050"/>
+            <a:off x="386398" y="4558356"/>
+            <a:ext cx="4410075" cy="359394"/>
           </a:xfrm>
           <a:prstGeom prst="rect">
             <a:avLst/>
@@ -30842,7 +30842,7 @@
               <a:t>4</a:t>
             </a:r>
             <a:r>
-              <a:rPr lang="zh-CN" altLang="en-US" sz="2000" b="1" dirty="0">
+              <a:rPr lang="zh-CN" altLang="en-US" sz="2000" b="1">
                 <a:solidFill>
                   <a:srgbClr val="000068"/>
                 </a:solidFill>
@@ -30857,8 +30857,23 @@
                 </a:solidFill>
                 <a:latin typeface="华文细黑" pitchFamily="2" charset="-122"/>
               </a:rPr>
-              <a:t>中会议室</a:t>
-            </a:r>
+              <a:t>第二</a:t>
+            </a:r>
+            <a:r>
+              <a:rPr lang="zh-CN" altLang="en-US" sz="2000" b="1">
+                <a:solidFill>
+                  <a:srgbClr val="000066"/>
+                </a:solidFill>
+                <a:latin typeface="华文细黑" pitchFamily="2" charset="-122"/>
+              </a:rPr>
+              <a:t>会议室</a:t>
+            </a:r>
+            <a:endParaRPr lang="zh-CN" altLang="en-US" sz="2000" b="1" dirty="0">
+              <a:solidFill>
+                <a:srgbClr val="000066"/>
+              </a:solidFill>
+              <a:latin typeface="华文细黑" pitchFamily="2" charset="-122"/>
+            </a:endParaRPr>
           </a:p>
         </p:txBody>
       </p:sp>
@@ -30947,7 +30962,7 @@
                 <a:latin typeface="Gill Sans" panose="020B0502020104020203" charset="0"/>
                 <a:ea typeface="华文新魏" pitchFamily="2" charset="-122"/>
               </a:rPr>
-              <a:t>博士/硕士学位论文答辩会</a:t>
+              <a:t>硕士学位论文答辩会</a:t>
             </a:r>
           </a:p>
         </p:txBody>
